--- a/Network 구성도.pptx
+++ b/Network 구성도.pptx
@@ -3095,6 +3095,195 @@
           <a:chExt cx="0" cy="0"/>
         </a:xfrm>
       </p:grpSpPr>
+      <p:cxnSp>
+        <p:nvCxnSpPr>
+          <p:cNvPr id="194" name="직선 화살표 연결선 193"/>
+          <p:cNvCxnSpPr/>
+          <p:nvPr/>
+        </p:nvCxnSpPr>
+        <p:spPr>
+          <a:xfrm flipH="1">
+            <a:off x="5639347" y="1651305"/>
+            <a:ext cx="1859258" cy="0"/>
+          </a:xfrm>
+          <a:prstGeom prst="straightConnector1">
+            <a:avLst/>
+          </a:prstGeom>
+          <a:ln>
+            <a:solidFill>
+              <a:srgbClr val="FFC000"/>
+            </a:solidFill>
+            <a:prstDash val="dash"/>
+            <a:tailEnd type="arrow"/>
+          </a:ln>
+        </p:spPr>
+        <p:style>
+          <a:lnRef idx="1">
+            <a:schemeClr val="accent1"/>
+          </a:lnRef>
+          <a:fillRef idx="0">
+            <a:schemeClr val="accent1"/>
+          </a:fillRef>
+          <a:effectRef idx="0">
+            <a:schemeClr val="accent1"/>
+          </a:effectRef>
+          <a:fontRef idx="minor">
+            <a:schemeClr val="tx1"/>
+          </a:fontRef>
+        </p:style>
+      </p:cxnSp>
+      <p:cxnSp>
+        <p:nvCxnSpPr>
+          <p:cNvPr id="150" name="직선 화살표 연결선 149"/>
+          <p:cNvCxnSpPr/>
+          <p:nvPr/>
+        </p:nvCxnSpPr>
+        <p:spPr>
+          <a:xfrm flipH="1">
+            <a:off x="5656386" y="2348880"/>
+            <a:ext cx="1859258" cy="0"/>
+          </a:xfrm>
+          <a:prstGeom prst="straightConnector1">
+            <a:avLst/>
+          </a:prstGeom>
+          <a:ln>
+            <a:solidFill>
+              <a:srgbClr val="FFC000"/>
+            </a:solidFill>
+            <a:prstDash val="dash"/>
+            <a:tailEnd type="arrow"/>
+          </a:ln>
+        </p:spPr>
+        <p:style>
+          <a:lnRef idx="1">
+            <a:schemeClr val="accent1"/>
+          </a:lnRef>
+          <a:fillRef idx="0">
+            <a:schemeClr val="accent1"/>
+          </a:fillRef>
+          <a:effectRef idx="0">
+            <a:schemeClr val="accent1"/>
+          </a:effectRef>
+          <a:fontRef idx="minor">
+            <a:schemeClr val="tx1"/>
+          </a:fontRef>
+        </p:style>
+      </p:cxnSp>
+      <p:cxnSp>
+        <p:nvCxnSpPr>
+          <p:cNvPr id="140" name="직선 연결선 139"/>
+          <p:cNvCxnSpPr/>
+          <p:nvPr/>
+        </p:nvCxnSpPr>
+        <p:spPr>
+          <a:xfrm flipH="1">
+            <a:off x="2120980" y="4435472"/>
+            <a:ext cx="5187324" cy="0"/>
+          </a:xfrm>
+          <a:prstGeom prst="line">
+            <a:avLst/>
+          </a:prstGeom>
+          <a:ln>
+            <a:solidFill>
+              <a:srgbClr val="FF0000"/>
+            </a:solidFill>
+            <a:prstDash val="dash"/>
+          </a:ln>
+        </p:spPr>
+        <p:style>
+          <a:lnRef idx="1">
+            <a:schemeClr val="accent1"/>
+          </a:lnRef>
+          <a:fillRef idx="0">
+            <a:schemeClr val="accent1"/>
+          </a:fillRef>
+          <a:effectRef idx="0">
+            <a:schemeClr val="accent1"/>
+          </a:effectRef>
+          <a:fontRef idx="minor">
+            <a:schemeClr val="tx1"/>
+          </a:fontRef>
+        </p:style>
+      </p:cxnSp>
+      <p:cxnSp>
+        <p:nvCxnSpPr>
+          <p:cNvPr id="124" name="꺾인 연결선 123"/>
+          <p:cNvCxnSpPr/>
+          <p:nvPr/>
+        </p:nvCxnSpPr>
+        <p:spPr>
+          <a:xfrm rot="10800000">
+            <a:off x="3706678" y="3509243"/>
+            <a:ext cx="3060320" cy="1852457"/>
+          </a:xfrm>
+          <a:prstGeom prst="bentConnector3">
+            <a:avLst>
+              <a:gd name="adj1" fmla="val -18515"/>
+            </a:avLst>
+          </a:prstGeom>
+          <a:ln>
+            <a:solidFill>
+              <a:srgbClr val="FF0000"/>
+            </a:solidFill>
+            <a:prstDash val="dash"/>
+            <a:headEnd type="arrow" w="med" len="med"/>
+            <a:tailEnd type="none" w="med" len="med"/>
+          </a:ln>
+        </p:spPr>
+        <p:style>
+          <a:lnRef idx="1">
+            <a:schemeClr val="accent1"/>
+          </a:lnRef>
+          <a:fillRef idx="0">
+            <a:schemeClr val="accent1"/>
+          </a:fillRef>
+          <a:effectRef idx="0">
+            <a:schemeClr val="accent1"/>
+          </a:effectRef>
+          <a:fontRef idx="minor">
+            <a:schemeClr val="tx1"/>
+          </a:fontRef>
+        </p:style>
+      </p:cxnSp>
+      <p:cxnSp>
+        <p:nvCxnSpPr>
+          <p:cNvPr id="101" name="꺾인 연결선 100"/>
+          <p:cNvCxnSpPr/>
+          <p:nvPr/>
+        </p:nvCxnSpPr>
+        <p:spPr>
+          <a:xfrm rot="10800000">
+            <a:off x="2120979" y="4077071"/>
+            <a:ext cx="3709915" cy="1289428"/>
+          </a:xfrm>
+          <a:prstGeom prst="bentConnector3">
+            <a:avLst>
+              <a:gd name="adj1" fmla="val 100014"/>
+            </a:avLst>
+          </a:prstGeom>
+          <a:ln>
+            <a:solidFill>
+              <a:srgbClr val="FF0000"/>
+            </a:solidFill>
+            <a:prstDash val="dash"/>
+            <a:tailEnd type="arrow"/>
+          </a:ln>
+        </p:spPr>
+        <p:style>
+          <a:lnRef idx="1">
+            <a:schemeClr val="accent1"/>
+          </a:lnRef>
+          <a:fillRef idx="0">
+            <a:schemeClr val="accent1"/>
+          </a:fillRef>
+          <a:effectRef idx="0">
+            <a:schemeClr val="accent1"/>
+          </a:effectRef>
+          <a:fontRef idx="minor">
+            <a:schemeClr val="tx1"/>
+          </a:fontRef>
+        </p:style>
+      </p:cxnSp>
       <p:sp>
         <p:nvSpPr>
           <p:cNvPr id="17" name="AutoShape 2" descr="Nginx란 무엇인가?"/>
@@ -3291,7 +3480,7 @@
           </p:blipFill>
           <p:spPr bwMode="auto">
             <a:xfrm>
-              <a:off x="1648434" y="2695426"/>
+              <a:off x="1655357" y="2107260"/>
               <a:ext cx="1922907" cy="1072218"/>
             </a:xfrm>
             <a:prstGeom prst="rect">
@@ -3299,9 +3488,7 @@
             </a:prstGeom>
             <a:noFill/>
             <a:ln w="9525">
-              <a:solidFill>
-                <a:schemeClr val="tx1"/>
-              </a:solidFill>
+              <a:noFill/>
               <a:miter lim="800000"/>
               <a:headEnd/>
               <a:tailEnd/>
@@ -3352,63 +3539,6 @@
             <a:xfrm>
               <a:off x="4351887" y="620688"/>
               <a:ext cx="1169167" cy="789222"/>
-            </a:xfrm>
-            <a:prstGeom prst="rect">
-              <a:avLst/>
-            </a:prstGeom>
-            <a:noFill/>
-            <a:ln w="9525">
-              <a:solidFill>
-                <a:schemeClr val="tx1"/>
-              </a:solidFill>
-              <a:miter lim="800000"/>
-              <a:headEnd/>
-              <a:tailEnd/>
-            </a:ln>
-            <a:effectLst/>
-            <a:extLst>
-              <a:ext uri="{909E8E84-426E-40DD-AFC4-6F175D3DCCD1}">
-                <a14:hiddenFill xmlns:a14="http://schemas.microsoft.com/office/drawing/2010/main">
-                  <a:solidFill>
-                    <a:schemeClr val="accent1"/>
-                  </a:solidFill>
-                </a14:hiddenFill>
-              </a:ext>
-              <a:ext uri="{AF507438-7753-43E0-B8FC-AC1667EBCBE1}">
-                <a14:hiddenEffects xmlns:a14="http://schemas.microsoft.com/office/drawing/2010/main">
-                  <a:effectLst>
-                    <a:outerShdw dist="35921" dir="2700000" algn="ctr" rotWithShape="0">
-                      <a:schemeClr val="bg2"/>
-                    </a:outerShdw>
-                  </a:effectLst>
-                </a14:hiddenEffects>
-              </a:ext>
-            </a:extLst>
-          </p:spPr>
-        </p:pic>
-        <p:pic>
-          <p:nvPicPr>
-            <p:cNvPr id="26" name="Picture 5"/>
-            <p:cNvPicPr>
-              <a:picLocks noChangeAspect="1" noChangeArrowheads="1"/>
-            </p:cNvPicPr>
-            <p:nvPr/>
-          </p:nvPicPr>
-          <p:blipFill rotWithShape="1">
-            <a:blip r:embed="rId3" cstate="print">
-              <a:extLst>
-                <a:ext uri="{28A0092B-C50C-407E-A947-70E740481C1C}">
-                  <a14:useLocalDpi xmlns:a14="http://schemas.microsoft.com/office/drawing/2010/main" val="0"/>
-                </a:ext>
-              </a:extLst>
-            </a:blip>
-            <a:srcRect t="5208"/>
-            <a:stretch/>
-          </p:blipFill>
-          <p:spPr bwMode="auto">
-            <a:xfrm>
-              <a:off x="4318698" y="3475230"/>
-              <a:ext cx="1158649" cy="646066"/>
             </a:xfrm>
             <a:prstGeom prst="rect">
               <a:avLst/>
@@ -3567,7 +3697,7 @@
           </p:nvCxnSpPr>
           <p:spPr>
             <a:xfrm>
-              <a:off x="796326" y="2996952"/>
+              <a:off x="796326" y="3193300"/>
               <a:ext cx="852108" cy="0"/>
             </a:xfrm>
             <a:prstGeom prst="straightConnector1">
@@ -3601,7 +3731,7 @@
           <p:spPr>
             <a:xfrm flipH="1">
               <a:off x="764260" y="3421335"/>
-              <a:ext cx="855414" cy="0"/>
+              <a:ext cx="891097" cy="0"/>
             </a:xfrm>
             <a:prstGeom prst="straightConnector1">
               <a:avLst/>
@@ -3722,7 +3852,7 @@
           </p:nvSpPr>
           <p:spPr>
             <a:xfrm>
-              <a:off x="3331267" y="3780427"/>
+              <a:off x="3298917" y="3798263"/>
               <a:ext cx="1019831" cy="215444"/>
             </a:xfrm>
             <a:prstGeom prst="rect">
@@ -3888,14 +4018,15 @@
           <p:nvCxnSpPr>
             <p:cNvPr id="1046" name="꺾인 연결선 1045"/>
             <p:cNvCxnSpPr>
-              <a:stCxn id="1029" idx="2"/>
+              <a:stCxn id="23" idx="2"/>
+              <a:endCxn id="26" idx="1"/>
             </p:cNvCxnSpPr>
             <p:nvPr/>
           </p:nvCxnSpPr>
           <p:spPr>
             <a:xfrm rot="16200000" flipH="1">
-              <a:off x="3345583" y="3031949"/>
-              <a:ext cx="237420" cy="1708810"/>
+              <a:off x="3413762" y="2893326"/>
+              <a:ext cx="101061" cy="1708811"/>
             </a:xfrm>
             <a:prstGeom prst="bentConnector2">
               <a:avLst/>
@@ -3926,14 +4057,14 @@
           <p:nvCxnSpPr>
             <p:cNvPr id="93" name="꺾인 연결선 92"/>
             <p:cNvCxnSpPr>
-              <a:stCxn id="1029" idx="2"/>
+              <a:stCxn id="23" idx="2"/>
             </p:cNvCxnSpPr>
             <p:nvPr/>
           </p:nvCxnSpPr>
           <p:spPr>
             <a:xfrm rot="16200000" flipH="1">
-              <a:off x="2841526" y="3536005"/>
-              <a:ext cx="1245532" cy="1708809"/>
+              <a:off x="2960236" y="3346853"/>
+              <a:ext cx="1008112" cy="1708810"/>
             </a:xfrm>
             <a:prstGeom prst="bentConnector2">
               <a:avLst/>
@@ -3984,65 +4115,6 @@
           <p:spPr bwMode="auto">
             <a:xfrm>
               <a:off x="5724128" y="3436941"/>
-              <a:ext cx="878972" cy="722643"/>
-            </a:xfrm>
-            <a:prstGeom prst="rect">
-              <a:avLst/>
-            </a:prstGeom>
-            <a:noFill/>
-            <a:ln w="9525">
-              <a:solidFill>
-                <a:schemeClr val="tx1"/>
-              </a:solidFill>
-              <a:miter lim="800000"/>
-              <a:headEnd/>
-              <a:tailEnd/>
-            </a:ln>
-            <a:effectLst/>
-            <a:extLst>
-              <a:ext uri="{909E8E84-426E-40DD-AFC4-6F175D3DCCD1}">
-                <a14:hiddenFill xmlns:a14="http://schemas.microsoft.com/office/drawing/2010/main">
-                  <a:solidFill>
-                    <a:schemeClr val="accent1"/>
-                  </a:solidFill>
-                </a14:hiddenFill>
-              </a:ext>
-              <a:ext uri="{AF507438-7753-43E0-B8FC-AC1667EBCBE1}">
-                <a14:hiddenEffects xmlns:a14="http://schemas.microsoft.com/office/drawing/2010/main">
-                  <a:effectLst>
-                    <a:outerShdw dist="35921" dir="2700000" algn="ctr" rotWithShape="0">
-                      <a:schemeClr val="bg2"/>
-                    </a:outerShdw>
-                  </a:effectLst>
-                </a14:hiddenEffects>
-              </a:ext>
-            </a:extLst>
-          </p:spPr>
-        </p:pic>
-        <p:pic>
-          <p:nvPicPr>
-            <p:cNvPr id="38" name="Picture 8"/>
-            <p:cNvPicPr>
-              <a:picLocks noChangeAspect="1" noChangeArrowheads="1"/>
-            </p:cNvPicPr>
-            <p:nvPr/>
-          </p:nvPicPr>
-          <p:blipFill>
-            <a:blip r:embed="rId7" cstate="print">
-              <a:extLst>
-                <a:ext uri="{28A0092B-C50C-407E-A947-70E740481C1C}">
-                  <a14:useLocalDpi xmlns:a14="http://schemas.microsoft.com/office/drawing/2010/main" val="0"/>
-                </a:ext>
-              </a:extLst>
-            </a:blip>
-            <a:srcRect/>
-            <a:stretch>
-              <a:fillRect/>
-            </a:stretch>
-          </p:blipFill>
-          <p:spPr bwMode="auto">
-            <a:xfrm>
-              <a:off x="5724128" y="4405064"/>
               <a:ext cx="878972" cy="722643"/>
             </a:xfrm>
             <a:prstGeom prst="rect">
@@ -4177,7 +4249,8 @@
               <a:solidFill>
                 <a:srgbClr val="FFC000"/>
               </a:solidFill>
-              <a:tailEnd type="arrow"/>
+              <a:headEnd type="none" w="med" len="med"/>
+              <a:tailEnd type="arrow" w="med" len="med"/>
             </a:ln>
           </p:spPr>
           <p:style>
@@ -4282,7 +4355,8 @@
               <a:solidFill>
                 <a:srgbClr val="FFC000"/>
               </a:solidFill>
-              <a:tailEnd type="arrow"/>
+              <a:headEnd type="none" w="med" len="med"/>
+              <a:tailEnd type="arrow" w="med" len="med"/>
             </a:ln>
           </p:spPr>
           <p:style>
@@ -4372,7 +4446,7 @@
           </p:nvSpPr>
           <p:spPr>
             <a:xfrm>
-              <a:off x="1985646" y="2218566"/>
+              <a:off x="1985646" y="1681646"/>
               <a:ext cx="1248482" cy="461665"/>
             </a:xfrm>
             <a:prstGeom prst="rect">
@@ -4500,6 +4574,122 @@
             </a:p>
           </p:txBody>
         </p:sp>
+        <p:pic>
+          <p:nvPicPr>
+            <p:cNvPr id="26" name="Picture 5"/>
+            <p:cNvPicPr>
+              <a:picLocks noChangeAspect="1" noChangeArrowheads="1"/>
+            </p:cNvPicPr>
+            <p:nvPr/>
+          </p:nvPicPr>
+          <p:blipFill rotWithShape="1">
+            <a:blip r:embed="rId3" cstate="print">
+              <a:extLst>
+                <a:ext uri="{28A0092B-C50C-407E-A947-70E740481C1C}">
+                  <a14:useLocalDpi xmlns:a14="http://schemas.microsoft.com/office/drawing/2010/main" val="0"/>
+                </a:ext>
+              </a:extLst>
+            </a:blip>
+            <a:srcRect t="5208"/>
+            <a:stretch/>
+          </p:blipFill>
+          <p:spPr bwMode="auto">
+            <a:xfrm>
+              <a:off x="4318698" y="3475230"/>
+              <a:ext cx="1158649" cy="646066"/>
+            </a:xfrm>
+            <a:prstGeom prst="rect">
+              <a:avLst/>
+            </a:prstGeom>
+            <a:noFill/>
+            <a:ln w="9525">
+              <a:solidFill>
+                <a:schemeClr val="tx1"/>
+              </a:solidFill>
+              <a:miter lim="800000"/>
+              <a:headEnd/>
+              <a:tailEnd/>
+            </a:ln>
+            <a:effectLst/>
+            <a:extLst>
+              <a:ext uri="{909E8E84-426E-40DD-AFC4-6F175D3DCCD1}">
+                <a14:hiddenFill xmlns:a14="http://schemas.microsoft.com/office/drawing/2010/main">
+                  <a:solidFill>
+                    <a:schemeClr val="accent1"/>
+                  </a:solidFill>
+                </a14:hiddenFill>
+              </a:ext>
+              <a:ext uri="{AF507438-7753-43E0-B8FC-AC1667EBCBE1}">
+                <a14:hiddenEffects xmlns:a14="http://schemas.microsoft.com/office/drawing/2010/main">
+                  <a:effectLst>
+                    <a:outerShdw dist="35921" dir="2700000" algn="ctr" rotWithShape="0">
+                      <a:schemeClr val="bg2"/>
+                    </a:outerShdw>
+                  </a:effectLst>
+                </a14:hiddenEffects>
+              </a:ext>
+            </a:extLst>
+          </p:spPr>
+        </p:pic>
+        <p:pic>
+          <p:nvPicPr>
+            <p:cNvPr id="38" name="Picture 8"/>
+            <p:cNvPicPr>
+              <a:picLocks noChangeAspect="1" noChangeArrowheads="1"/>
+            </p:cNvPicPr>
+            <p:nvPr/>
+          </p:nvPicPr>
+          <p:blipFill>
+            <a:blip r:embed="rId7" cstate="print">
+              <a:extLst>
+                <a:ext uri="{28A0092B-C50C-407E-A947-70E740481C1C}">
+                  <a14:useLocalDpi xmlns:a14="http://schemas.microsoft.com/office/drawing/2010/main" val="0"/>
+                </a:ext>
+              </a:extLst>
+            </a:blip>
+            <a:srcRect/>
+            <a:stretch>
+              <a:fillRect/>
+            </a:stretch>
+          </p:blipFill>
+          <p:spPr bwMode="auto">
+            <a:xfrm>
+              <a:off x="5724128" y="4405064"/>
+              <a:ext cx="878972" cy="722643"/>
+            </a:xfrm>
+            <a:prstGeom prst="rect">
+              <a:avLst/>
+            </a:prstGeom>
+            <a:noFill/>
+            <a:ln w="9525">
+              <a:solidFill>
+                <a:schemeClr val="tx1"/>
+              </a:solidFill>
+              <a:miter lim="800000"/>
+              <a:headEnd/>
+              <a:tailEnd/>
+            </a:ln>
+            <a:effectLst/>
+            <a:extLst>
+              <a:ext uri="{909E8E84-426E-40DD-AFC4-6F175D3DCCD1}">
+                <a14:hiddenFill xmlns:a14="http://schemas.microsoft.com/office/drawing/2010/main">
+                  <a:solidFill>
+                    <a:schemeClr val="accent1"/>
+                  </a:solidFill>
+                </a14:hiddenFill>
+              </a:ext>
+              <a:ext uri="{AF507438-7753-43E0-B8FC-AC1667EBCBE1}">
+                <a14:hiddenEffects xmlns:a14="http://schemas.microsoft.com/office/drawing/2010/main">
+                  <a:effectLst>
+                    <a:outerShdw dist="35921" dir="2700000" algn="ctr" rotWithShape="0">
+                      <a:schemeClr val="bg2"/>
+                    </a:outerShdw>
+                  </a:effectLst>
+                </a14:hiddenEffects>
+              </a:ext>
+            </a:extLst>
+          </p:spPr>
+        </p:pic>
       </p:grpSp>
       <p:sp>
         <p:nvSpPr>
@@ -4747,6 +4937,499 @@
           </a:p>
         </p:txBody>
       </p:sp>
+      <p:cxnSp>
+        <p:nvCxnSpPr>
+          <p:cNvPr id="19" name="꺾인 연결선 18"/>
+          <p:cNvCxnSpPr/>
+          <p:nvPr/>
+        </p:nvCxnSpPr>
+        <p:spPr>
+          <a:xfrm>
+            <a:off x="2195736" y="3573016"/>
+            <a:ext cx="556406" cy="504056"/>
+          </a:xfrm>
+          <a:prstGeom prst="bentConnector3">
+            <a:avLst>
+              <a:gd name="adj1" fmla="val 99987"/>
+            </a:avLst>
+          </a:prstGeom>
+          <a:ln>
+            <a:solidFill>
+              <a:srgbClr val="FF0000"/>
+            </a:solidFill>
+            <a:prstDash val="solid"/>
+            <a:headEnd type="none" w="med" len="med"/>
+            <a:tailEnd type="none" w="med" len="med"/>
+          </a:ln>
+        </p:spPr>
+        <p:style>
+          <a:lnRef idx="1">
+            <a:schemeClr val="accent1"/>
+          </a:lnRef>
+          <a:fillRef idx="0">
+            <a:schemeClr val="accent1"/>
+          </a:fillRef>
+          <a:effectRef idx="0">
+            <a:schemeClr val="accent1"/>
+          </a:effectRef>
+          <a:fontRef idx="minor">
+            <a:schemeClr val="tx1"/>
+          </a:fontRef>
+        </p:style>
+      </p:cxnSp>
+      <p:sp>
+        <p:nvSpPr>
+          <p:cNvPr id="23" name="직사각형 22"/>
+          <p:cNvSpPr/>
+          <p:nvPr/>
+        </p:nvSpPr>
+        <p:spPr>
+          <a:xfrm>
+            <a:off x="1783766" y="2061516"/>
+            <a:ext cx="1922906" cy="2015556"/>
+          </a:xfrm>
+          <a:prstGeom prst="rect">
+            <a:avLst/>
+          </a:prstGeom>
+          <a:noFill/>
+        </p:spPr>
+        <p:style>
+          <a:lnRef idx="2">
+            <a:schemeClr val="accent1">
+              <a:shade val="50000"/>
+            </a:schemeClr>
+          </a:lnRef>
+          <a:fillRef idx="1">
+            <a:schemeClr val="accent1"/>
+          </a:fillRef>
+          <a:effectRef idx="0">
+            <a:schemeClr val="accent1"/>
+          </a:effectRef>
+          <a:fontRef idx="minor">
+            <a:schemeClr val="lt1"/>
+          </a:fontRef>
+        </p:style>
+        <p:txBody>
+          <a:bodyPr rtlCol="0" anchor="ctr"/>
+          <a:lstStyle/>
+          <a:p>
+            <a:pPr algn="ctr"/>
+            <a:endParaRPr lang="ko-KR" altLang="en-US"/>
+          </a:p>
+        </p:txBody>
+      </p:sp>
+      <p:cxnSp>
+        <p:nvCxnSpPr>
+          <p:cNvPr id="52" name="직선 화살표 연결선 51"/>
+          <p:cNvCxnSpPr/>
+          <p:nvPr/>
+        </p:nvCxnSpPr>
+        <p:spPr>
+          <a:xfrm flipH="1">
+            <a:off x="1783766" y="3573170"/>
+            <a:ext cx="411970" cy="4412"/>
+          </a:xfrm>
+          <a:prstGeom prst="straightConnector1">
+            <a:avLst/>
+          </a:prstGeom>
+          <a:ln>
+            <a:prstDash val="solid"/>
+            <a:headEnd type="none" w="med" len="med"/>
+            <a:tailEnd type="none" w="med" len="med"/>
+          </a:ln>
+        </p:spPr>
+        <p:style>
+          <a:lnRef idx="1">
+            <a:schemeClr val="accent1"/>
+          </a:lnRef>
+          <a:fillRef idx="0">
+            <a:schemeClr val="accent1"/>
+          </a:fillRef>
+          <a:effectRef idx="0">
+            <a:schemeClr val="accent1"/>
+          </a:effectRef>
+          <a:fontRef idx="minor">
+            <a:schemeClr val="tx1"/>
+          </a:fontRef>
+        </p:style>
+      </p:cxnSp>
+      <p:cxnSp>
+        <p:nvCxnSpPr>
+          <p:cNvPr id="110" name="직선 화살표 연결선 109"/>
+          <p:cNvCxnSpPr/>
+          <p:nvPr/>
+        </p:nvCxnSpPr>
+        <p:spPr>
+          <a:xfrm flipH="1">
+            <a:off x="1795430" y="3796792"/>
+            <a:ext cx="325549" cy="4413"/>
+          </a:xfrm>
+          <a:prstGeom prst="straightConnector1">
+            <a:avLst/>
+          </a:prstGeom>
+          <a:ln>
+            <a:prstDash val="dash"/>
+            <a:headEnd type="none" w="med" len="med"/>
+            <a:tailEnd type="none" w="med" len="med"/>
+          </a:ln>
+        </p:spPr>
+        <p:style>
+          <a:lnRef idx="1">
+            <a:schemeClr val="accent1"/>
+          </a:lnRef>
+          <a:fillRef idx="0">
+            <a:schemeClr val="accent1"/>
+          </a:fillRef>
+          <a:effectRef idx="0">
+            <a:schemeClr val="accent1"/>
+          </a:effectRef>
+          <a:fontRef idx="minor">
+            <a:schemeClr val="tx1"/>
+          </a:fontRef>
+        </p:style>
+      </p:cxnSp>
+      <p:cxnSp>
+        <p:nvCxnSpPr>
+          <p:cNvPr id="111" name="꺾인 연결선 110"/>
+          <p:cNvCxnSpPr/>
+          <p:nvPr/>
+        </p:nvCxnSpPr>
+        <p:spPr>
+          <a:xfrm rot="16200000" flipV="1">
+            <a:off x="1980839" y="3936931"/>
+            <a:ext cx="280278" cy="1"/>
+          </a:xfrm>
+          <a:prstGeom prst="bentConnector3">
+            <a:avLst>
+              <a:gd name="adj1" fmla="val 50000"/>
+            </a:avLst>
+          </a:prstGeom>
+          <a:ln>
+            <a:solidFill>
+              <a:srgbClr val="FF0000"/>
+            </a:solidFill>
+            <a:prstDash val="dash"/>
+            <a:headEnd type="none" w="med" len="med"/>
+            <a:tailEnd type="none" w="med" len="med"/>
+          </a:ln>
+        </p:spPr>
+        <p:style>
+          <a:lnRef idx="1">
+            <a:schemeClr val="accent1"/>
+          </a:lnRef>
+          <a:fillRef idx="0">
+            <a:schemeClr val="accent1"/>
+          </a:fillRef>
+          <a:effectRef idx="0">
+            <a:schemeClr val="accent1"/>
+          </a:effectRef>
+          <a:fontRef idx="minor">
+            <a:schemeClr val="tx1"/>
+          </a:fontRef>
+        </p:style>
+      </p:cxnSp>
+      <p:cxnSp>
+        <p:nvCxnSpPr>
+          <p:cNvPr id="142" name="꺾인 연결선 141"/>
+          <p:cNvCxnSpPr/>
+          <p:nvPr/>
+        </p:nvCxnSpPr>
+        <p:spPr>
+          <a:xfrm rot="10800000">
+            <a:off x="3305606" y="3509244"/>
+            <a:ext cx="401067" cy="227618"/>
+          </a:xfrm>
+          <a:prstGeom prst="bentConnector3">
+            <a:avLst>
+              <a:gd name="adj1" fmla="val 98765"/>
+            </a:avLst>
+          </a:prstGeom>
+          <a:ln>
+            <a:solidFill>
+              <a:srgbClr val="FF0000"/>
+            </a:solidFill>
+            <a:prstDash val="solid"/>
+            <a:headEnd type="none" w="med" len="med"/>
+            <a:tailEnd type="none" w="med" len="med"/>
+          </a:ln>
+        </p:spPr>
+        <p:style>
+          <a:lnRef idx="1">
+            <a:schemeClr val="accent1"/>
+          </a:lnRef>
+          <a:fillRef idx="0">
+            <a:schemeClr val="accent1"/>
+          </a:fillRef>
+          <a:effectRef idx="0">
+            <a:schemeClr val="accent1"/>
+          </a:effectRef>
+          <a:fontRef idx="minor">
+            <a:schemeClr val="tx1"/>
+          </a:fontRef>
+        </p:style>
+      </p:cxnSp>
+      <p:cxnSp>
+        <p:nvCxnSpPr>
+          <p:cNvPr id="149" name="꺾인 연결선 148"/>
+          <p:cNvCxnSpPr/>
+          <p:nvPr/>
+        </p:nvCxnSpPr>
+        <p:spPr>
+          <a:xfrm flipV="1">
+            <a:off x="3305605" y="3304818"/>
+            <a:ext cx="401067" cy="196190"/>
+          </a:xfrm>
+          <a:prstGeom prst="bentConnector3">
+            <a:avLst>
+              <a:gd name="adj1" fmla="val 1552"/>
+            </a:avLst>
+          </a:prstGeom>
+          <a:ln>
+            <a:solidFill>
+              <a:srgbClr val="7030A0"/>
+            </a:solidFill>
+            <a:prstDash val="solid"/>
+            <a:headEnd type="none" w="med" len="med"/>
+            <a:tailEnd type="none" w="med" len="med"/>
+          </a:ln>
+        </p:spPr>
+        <p:style>
+          <a:lnRef idx="1">
+            <a:schemeClr val="accent1"/>
+          </a:lnRef>
+          <a:fillRef idx="0">
+            <a:schemeClr val="accent1"/>
+          </a:fillRef>
+          <a:effectRef idx="0">
+            <a:schemeClr val="accent1"/>
+          </a:effectRef>
+          <a:fontRef idx="minor">
+            <a:schemeClr val="tx1"/>
+          </a:fontRef>
+        </p:style>
+      </p:cxnSp>
+      <p:cxnSp>
+        <p:nvCxnSpPr>
+          <p:cNvPr id="1040" name="꺾인 연결선 1039"/>
+          <p:cNvCxnSpPr>
+            <a:stCxn id="21" idx="1"/>
+            <a:endCxn id="23" idx="3"/>
+          </p:cNvCxnSpPr>
+          <p:nvPr/>
+        </p:nvCxnSpPr>
+        <p:spPr>
+          <a:xfrm rot="10800000" flipV="1">
+            <a:off x="3706673" y="1395168"/>
+            <a:ext cx="780547" cy="1674125"/>
+          </a:xfrm>
+          <a:prstGeom prst="bentConnector3">
+            <a:avLst>
+              <a:gd name="adj1" fmla="val 73918"/>
+            </a:avLst>
+          </a:prstGeom>
+          <a:ln>
+            <a:solidFill>
+              <a:srgbClr val="7030A0"/>
+            </a:solidFill>
+            <a:prstDash val="dash"/>
+            <a:tailEnd type="arrow"/>
+          </a:ln>
+        </p:spPr>
+        <p:style>
+          <a:lnRef idx="1">
+            <a:schemeClr val="accent1"/>
+          </a:lnRef>
+          <a:fillRef idx="0">
+            <a:schemeClr val="accent1"/>
+          </a:fillRef>
+          <a:effectRef idx="0">
+            <a:schemeClr val="accent1"/>
+          </a:effectRef>
+          <a:fontRef idx="minor">
+            <a:schemeClr val="tx1"/>
+          </a:fontRef>
+        </p:style>
+      </p:cxnSp>
+      <p:cxnSp>
+        <p:nvCxnSpPr>
+          <p:cNvPr id="1045" name="직선 연결선 1044"/>
+          <p:cNvCxnSpPr>
+            <a:stCxn id="37" idx="1"/>
+          </p:cNvCxnSpPr>
+          <p:nvPr/>
+        </p:nvCxnSpPr>
+        <p:spPr>
+          <a:xfrm flipH="1">
+            <a:off x="3923928" y="2519085"/>
+            <a:ext cx="563291" cy="0"/>
+          </a:xfrm>
+          <a:prstGeom prst="line">
+            <a:avLst/>
+          </a:prstGeom>
+          <a:ln>
+            <a:solidFill>
+              <a:srgbClr val="7030A0"/>
+            </a:solidFill>
+            <a:prstDash val="dash"/>
+          </a:ln>
+        </p:spPr>
+        <p:style>
+          <a:lnRef idx="1">
+            <a:schemeClr val="accent1"/>
+          </a:lnRef>
+          <a:fillRef idx="0">
+            <a:schemeClr val="accent1"/>
+          </a:fillRef>
+          <a:effectRef idx="0">
+            <a:schemeClr val="accent1"/>
+          </a:effectRef>
+          <a:fontRef idx="minor">
+            <a:schemeClr val="tx1"/>
+          </a:fontRef>
+        </p:style>
+      </p:cxnSp>
+      <p:cxnSp>
+        <p:nvCxnSpPr>
+          <p:cNvPr id="171" name="꺾인 연결선 170"/>
+          <p:cNvCxnSpPr/>
+          <p:nvPr/>
+        </p:nvCxnSpPr>
+        <p:spPr>
+          <a:xfrm rot="16200000" flipH="1">
+            <a:off x="3427804" y="3230375"/>
+            <a:ext cx="285312" cy="272423"/>
+          </a:xfrm>
+          <a:prstGeom prst="bentConnector3">
+            <a:avLst>
+              <a:gd name="adj1" fmla="val 99409"/>
+            </a:avLst>
+          </a:prstGeom>
+          <a:ln>
+            <a:solidFill>
+              <a:srgbClr val="FF0000"/>
+            </a:solidFill>
+            <a:prstDash val="dash"/>
+            <a:headEnd type="none" w="med" len="med"/>
+            <a:tailEnd type="none" w="med" len="med"/>
+          </a:ln>
+        </p:spPr>
+        <p:style>
+          <a:lnRef idx="1">
+            <a:schemeClr val="accent1"/>
+          </a:lnRef>
+          <a:fillRef idx="0">
+            <a:schemeClr val="accent1"/>
+          </a:fillRef>
+          <a:effectRef idx="0">
+            <a:schemeClr val="accent1"/>
+          </a:effectRef>
+          <a:fontRef idx="minor">
+            <a:schemeClr val="tx1"/>
+          </a:fontRef>
+        </p:style>
+      </p:cxnSp>
+      <p:cxnSp>
+        <p:nvCxnSpPr>
+          <p:cNvPr id="175" name="꺾인 연결선 174"/>
+          <p:cNvCxnSpPr>
+            <a:stCxn id="23" idx="3"/>
+          </p:cNvCxnSpPr>
+          <p:nvPr/>
+        </p:nvCxnSpPr>
+        <p:spPr>
+          <a:xfrm flipH="1">
+            <a:off x="3434250" y="3069294"/>
+            <a:ext cx="272422" cy="154636"/>
+          </a:xfrm>
+          <a:prstGeom prst="bentConnector3">
+            <a:avLst>
+              <a:gd name="adj1" fmla="val 99998"/>
+            </a:avLst>
+          </a:prstGeom>
+          <a:ln>
+            <a:solidFill>
+              <a:srgbClr val="7030A0"/>
+            </a:solidFill>
+            <a:prstDash val="dash"/>
+            <a:headEnd type="none" w="med" len="med"/>
+            <a:tailEnd type="none" w="med" len="med"/>
+          </a:ln>
+        </p:spPr>
+        <p:style>
+          <a:lnRef idx="1">
+            <a:schemeClr val="accent1"/>
+          </a:lnRef>
+          <a:fillRef idx="0">
+            <a:schemeClr val="accent1"/>
+          </a:fillRef>
+          <a:effectRef idx="0">
+            <a:schemeClr val="accent1"/>
+          </a:effectRef>
+          <a:fontRef idx="minor">
+            <a:schemeClr val="tx1"/>
+          </a:fontRef>
+        </p:style>
+      </p:cxnSp>
+      <p:sp>
+        <p:nvSpPr>
+          <p:cNvPr id="180" name="TextBox 179"/>
+          <p:cNvSpPr txBox="1"/>
+          <p:nvPr/>
+        </p:nvSpPr>
+        <p:spPr>
+          <a:xfrm>
+            <a:off x="3226455" y="1654465"/>
+            <a:ext cx="688009" cy="215444"/>
+          </a:xfrm>
+          <a:prstGeom prst="rect">
+            <a:avLst/>
+          </a:prstGeom>
+          <a:noFill/>
+        </p:spPr>
+        <p:txBody>
+          <a:bodyPr wrap="none" rtlCol="0">
+            <a:spAutoFit/>
+          </a:bodyPr>
+          <a:lstStyle/>
+          <a:p>
+            <a:r>
+              <a:rPr lang="en-US" altLang="ko-KR" sz="800" dirty="0" smtClean="0"/>
+              <a:t>JSON Data</a:t>
+            </a:r>
+            <a:endParaRPr lang="ko-KR" altLang="en-US" sz="800" dirty="0"/>
+          </a:p>
+        </p:txBody>
+      </p:sp>
+      <p:sp>
+        <p:nvSpPr>
+          <p:cNvPr id="181" name="TextBox 180"/>
+          <p:cNvSpPr txBox="1"/>
+          <p:nvPr/>
+        </p:nvSpPr>
+        <p:spPr>
+          <a:xfrm>
+            <a:off x="1271066" y="4506341"/>
+            <a:ext cx="849913" cy="215444"/>
+          </a:xfrm>
+          <a:prstGeom prst="rect">
+            <a:avLst/>
+          </a:prstGeom>
+          <a:noFill/>
+        </p:spPr>
+        <p:txBody>
+          <a:bodyPr wrap="none" rtlCol="0">
+            <a:spAutoFit/>
+          </a:bodyPr>
+          <a:lstStyle/>
+          <a:p>
+            <a:r>
+              <a:rPr lang="en-US" altLang="ko-KR" sz="800" dirty="0" smtClean="0"/>
+              <a:t>Web Contents</a:t>
+            </a:r>
+            <a:endParaRPr lang="ko-KR" altLang="en-US" sz="800" dirty="0"/>
+          </a:p>
+        </p:txBody>
+      </p:sp>
     </p:spTree>
     <p:extLst>
       <p:ext uri="{BB962C8B-B14F-4D97-AF65-F5344CB8AC3E}">
@@ -4757,6 +5440,13 @@
   <p:clrMapOvr>
     <a:masterClrMapping/>
   </p:clrMapOvr>
+  <p:timing>
+    <p:tnLst>
+      <p:par>
+        <p:cTn id="1" dur="indefinite" restart="never" nodeType="tmRoot"/>
+      </p:par>
+    </p:tnLst>
+  </p:timing>
 </p:sld>
 </file>
 
